--- a/Cell Hotel Presentation.pptx
+++ b/Cell Hotel Presentation.pptx
@@ -4573,7 +4573,7 @@
         <p:spPr>
           <a:xfrm rot="0">
             <a:off x="1748161" y="7717412"/>
-            <a:ext cx="15376281" cy="2590800"/>
+            <a:ext cx="15376281" cy="2590662"/>
           </a:xfrm>
           <a:prstGeom prst="rect">
             <a:avLst/>
@@ -4602,7 +4602,7 @@
                 <a:cs typeface="Chau Philomene"/>
                 <a:sym typeface="Chau Philomene"/>
               </a:rPr>
-              <a:t>The Reservations by Month plot shows a peak in August (month 8), with lowest bookings in January and a general upward trend throughout the year.</a:t>
+              <a:t>The Reservations by Month plot shows a peak in October (month 10), with lowest bookings in January and a general upward trend throughout the year.</a:t>
             </a:r>
           </a:p>
           <a:p>
@@ -6081,8 +6081,8 @@
         </p:nvSpPr>
         <p:spPr>
           <a:xfrm rot="0">
-            <a:off x="1532941" y="7707887"/>
-            <a:ext cx="16326382" cy="1864344"/>
+            <a:off x="1415125" y="7548339"/>
+            <a:ext cx="16326382" cy="1864245"/>
           </a:xfrm>
           <a:prstGeom prst="rect">
             <a:avLst/>
@@ -6111,7 +6111,7 @@
                 <a:cs typeface="Chau Philomene"/>
                 <a:sym typeface="Chau Philomene"/>
               </a:rPr>
-              <a:t>The multivariate analysis shows varying average prices across different room types, with Room Type 7 having the widest range and Room Type 6 the highest median price. A scatter plot reveals that average prices decrease as lead time increases, with higher prices concentrated in shorter lead times. The size of the data points in the scatter plot correlates with the number of special requests</a:t>
+              <a:t>This plot shows the average prices across different room types, with Room Type 7 having the widest range and Room Type 6 the highest median price. A scatter plot reveals that average prices decrease as lead time increases, with higher prices concentrated in shorter lead times. The size of the data points in the scatter plot correlates with the number of special requests</a:t>
             </a:r>
           </a:p>
         </p:txBody>
@@ -6124,7 +6124,7 @@
         </p:nvSpPr>
         <p:spPr>
           <a:xfrm rot="0">
-            <a:off x="1748161" y="7269737"/>
+            <a:off x="1748161" y="7110189"/>
             <a:ext cx="4656590" cy="495300"/>
           </a:xfrm>
           <a:prstGeom prst="rect">
@@ -8176,7 +8176,7 @@
         </p:nvSpPr>
         <p:spPr>
           <a:xfrm rot="0">
-            <a:off x="1619020" y="6068255"/>
+            <a:off x="1619020" y="5695482"/>
             <a:ext cx="7719278" cy="483017"/>
           </a:xfrm>
           <a:prstGeom prst="rect">
@@ -9103,7 +9103,7 @@
         <p:spPr>
           <a:xfrm rot="0">
             <a:off x="7343629" y="6195062"/>
-            <a:ext cx="3600742" cy="495300"/>
+            <a:ext cx="3600742" cy="495272"/>
           </a:xfrm>
           <a:prstGeom prst="rect">
             <a:avLst/>
